--- a/Презентация по практике (5).pptx
+++ b/Презентация по практике (5).pptx
@@ -143,7 +143,7 @@
       <p15:sldGuideLst xmlns:p15="http://schemas.microsoft.com/office/powerpoint/2012/main"/>
     </p:ext>
     <p:ext uri="http://customooxmlschemas.google.com/">
-      <go:slidesCustomData xmlns="" xmlns:mc="http://schemas.openxmlformats.org/markup-compatibility/2006" xmlns:mv="urn:schemas-microsoft-com:mac:vml" xmlns:c="http://schemas.openxmlformats.org/drawingml/2006/chart" xmlns:dgm="http://schemas.openxmlformats.org/drawingml/2006/diagram" xmlns:o="urn:schemas-microsoft-com:office:office" xmlns:v="urn:schemas-microsoft-com:vml" xmlns:pvml="urn:schemas-microsoft-com:office:powerpoint" xmlns:com="http://schemas.openxmlformats.org/drawingml/2006/compatibility" xmlns:p14="http://schemas.microsoft.com/office/powerpoint/2010/main" xmlns:p15="http://schemas.microsoft.com/office/powerpoint/2012/main" xmlns:ahyp="http://schemas.microsoft.com/office/drawing/2018/hyperlinkcolor" xmlns:go="http://customooxmlschemas.google.com/" r:id="rId29" roundtripDataSignature="AMtx7mizUszjC23iugn5rSKKV7pE7bdVwA=="/>
+      <go:slidesCustomData xmlns:go="http://customooxmlschemas.google.com/" xmlns:ahyp="http://schemas.microsoft.com/office/drawing/2018/hyperlinkcolor" xmlns:p15="http://schemas.microsoft.com/office/powerpoint/2012/main" xmlns:p14="http://schemas.microsoft.com/office/powerpoint/2010/main" xmlns:com="http://schemas.openxmlformats.org/drawingml/2006/compatibility" xmlns:pvml="urn:schemas-microsoft-com:office:powerpoint" xmlns:v="urn:schemas-microsoft-com:vml" xmlns:o="urn:schemas-microsoft-com:office:office" xmlns:dgm="http://schemas.openxmlformats.org/drawingml/2006/diagram" xmlns:c="http://schemas.openxmlformats.org/drawingml/2006/chart" xmlns:mv="urn:schemas-microsoft-com:mac:vml" xmlns:mc="http://schemas.openxmlformats.org/markup-compatibility/2006" xmlns="" r:id="rId29" roundtripDataSignature="AMtx7mizUszjC23iugn5rSKKV7pE7bdVwA=="/>
     </p:ext>
   </p:extLst>
 </p:presentation>
@@ -14409,7 +14409,7 @@
               <a:t>Семестр: </a:t>
             </a:r>
             <a:r>
-              <a:rPr lang="en-US" sz="2400">
+              <a:rPr lang="en-US" sz="2400" dirty="0">
                 <a:solidFill>
                   <a:schemeClr val="dk1"/>
                 </a:solidFill>
@@ -14449,7 +14449,43 @@
                 <a:cs typeface="Times New Roman"/>
                 <a:sym typeface="Times New Roman"/>
               </a:rPr>
-              <a:t>Сроки: 08.12.2022 – 21.12.2022</a:t>
+              <a:t>Сроки: 08.12.202</a:t>
+            </a:r>
+            <a:r>
+              <a:rPr lang="en-US" sz="2400" dirty="0">
+                <a:solidFill>
+                  <a:schemeClr val="dk1"/>
+                </a:solidFill>
+                <a:latin typeface="Times New Roman"/>
+                <a:ea typeface="Times New Roman"/>
+                <a:cs typeface="Times New Roman"/>
+                <a:sym typeface="Times New Roman"/>
+              </a:rPr>
+              <a:t>3</a:t>
+            </a:r>
+            <a:r>
+              <a:rPr lang="ru-RU" sz="2400" dirty="0">
+                <a:solidFill>
+                  <a:schemeClr val="dk1"/>
+                </a:solidFill>
+                <a:latin typeface="Times New Roman"/>
+                <a:ea typeface="Times New Roman"/>
+                <a:cs typeface="Times New Roman"/>
+                <a:sym typeface="Times New Roman"/>
+              </a:rPr>
+              <a:t> – 21.12.202</a:t>
+            </a:r>
+            <a:r>
+              <a:rPr lang="en-US" sz="2400" dirty="0">
+                <a:solidFill>
+                  <a:schemeClr val="dk1"/>
+                </a:solidFill>
+                <a:latin typeface="Times New Roman"/>
+                <a:ea typeface="Times New Roman"/>
+                <a:cs typeface="Times New Roman"/>
+                <a:sym typeface="Times New Roman"/>
+              </a:rPr>
+              <a:t>3</a:t>
             </a:r>
             <a:endParaRPr dirty="0"/>
           </a:p>
